--- a/SavecdaJay/Design Pattern/Design Pattern Iterator/Patron de Conception Itérateur.pptx
+++ b/SavecdaJay/Design Pattern/Design Pattern Iterator/Patron de Conception Itérateur.pptx
@@ -11237,7 +11237,23 @@
                   <a:schemeClr val="bg1"/>
                 </a:solidFill>
               </a:rPr>
-              <a:t>+HasNext() : boolean</a:t>
+              <a:t>+</a:t>
+            </a:r>
+            <a:r>
+              <a:rPr lang="fr-FR" dirty="0" err="1">
+                <a:solidFill>
+                  <a:schemeClr val="bg1"/>
+                </a:solidFill>
+              </a:rPr>
+              <a:t>MoveNext</a:t>
+            </a:r>
+            <a:r>
+              <a:rPr lang="fr-FR" dirty="0">
+                <a:solidFill>
+                  <a:schemeClr val="bg1"/>
+                </a:solidFill>
+              </a:rPr>
+              <a:t>() : boolean</a:t>
             </a:r>
           </a:p>
           <a:p>
@@ -11248,7 +11264,23 @@
                   <a:schemeClr val="bg1"/>
                 </a:solidFill>
               </a:rPr>
-              <a:t>+ Next ():Object</a:t>
+              <a:t>+ </a:t>
+            </a:r>
+            <a:r>
+              <a:rPr lang="fr-FR" dirty="0" err="1">
+                <a:solidFill>
+                  <a:schemeClr val="bg1"/>
+                </a:solidFill>
+              </a:rPr>
+              <a:t>Current</a:t>
+            </a:r>
+            <a:r>
+              <a:rPr lang="fr-FR" dirty="0">
+                <a:solidFill>
+                  <a:schemeClr val="bg1"/>
+                </a:solidFill>
+              </a:rPr>
+              <a:t> ():Object</a:t>
             </a:r>
             <a:r>
               <a:rPr lang="fr-FR" dirty="0"/>
@@ -11378,7 +11410,23 @@
                   <a:schemeClr val="bg1"/>
                 </a:solidFill>
               </a:rPr>
-              <a:t>+HasNext() : boolean</a:t>
+              <a:t>+</a:t>
+            </a:r>
+            <a:r>
+              <a:rPr lang="fr-FR" dirty="0" err="1">
+                <a:solidFill>
+                  <a:schemeClr val="bg1"/>
+                </a:solidFill>
+              </a:rPr>
+              <a:t>MoveNext</a:t>
+            </a:r>
+            <a:r>
+              <a:rPr lang="fr-FR" dirty="0">
+                <a:solidFill>
+                  <a:schemeClr val="bg1"/>
+                </a:solidFill>
+              </a:rPr>
+              <a:t>() : boolean</a:t>
             </a:r>
           </a:p>
           <a:p>
@@ -11389,7 +11437,23 @@
                   <a:schemeClr val="bg1"/>
                 </a:solidFill>
               </a:rPr>
-              <a:t>+ Next ():Object</a:t>
+              <a:t>+ </a:t>
+            </a:r>
+            <a:r>
+              <a:rPr lang="fr-FR" dirty="0" err="1">
+                <a:solidFill>
+                  <a:schemeClr val="bg1"/>
+                </a:solidFill>
+              </a:rPr>
+              <a:t>Current</a:t>
+            </a:r>
+            <a:r>
+              <a:rPr lang="fr-FR" dirty="0">
+                <a:solidFill>
+                  <a:schemeClr val="bg1"/>
+                </a:solidFill>
+              </a:rPr>
+              <a:t> ():Object</a:t>
             </a:r>
             <a:r>
               <a:rPr lang="fr-FR" dirty="0"/>
@@ -13845,7 +13909,23 @@
                   <a:schemeClr val="bg1"/>
                 </a:solidFill>
               </a:rPr>
-              <a:t>+HasNext() : boolean</a:t>
+              <a:t>+</a:t>
+            </a:r>
+            <a:r>
+              <a:rPr lang="fr-FR" dirty="0" err="1">
+                <a:solidFill>
+                  <a:schemeClr val="bg1"/>
+                </a:solidFill>
+              </a:rPr>
+              <a:t>MoveNext</a:t>
+            </a:r>
+            <a:r>
+              <a:rPr lang="fr-FR" dirty="0">
+                <a:solidFill>
+                  <a:schemeClr val="bg1"/>
+                </a:solidFill>
+              </a:rPr>
+              <a:t>() : boolean</a:t>
             </a:r>
           </a:p>
           <a:p>
@@ -13856,7 +13936,23 @@
                   <a:schemeClr val="bg1"/>
                 </a:solidFill>
               </a:rPr>
-              <a:t>+ Next ():Object</a:t>
+              <a:t>+ </a:t>
+            </a:r>
+            <a:r>
+              <a:rPr lang="fr-FR" dirty="0" err="1">
+                <a:solidFill>
+                  <a:schemeClr val="bg1"/>
+                </a:solidFill>
+              </a:rPr>
+              <a:t>Current</a:t>
+            </a:r>
+            <a:r>
+              <a:rPr lang="fr-FR" dirty="0">
+                <a:solidFill>
+                  <a:schemeClr val="bg1"/>
+                </a:solidFill>
+              </a:rPr>
+              <a:t> ():Object</a:t>
             </a:r>
             <a:r>
               <a:rPr lang="fr-FR" dirty="0"/>
@@ -13986,7 +14082,23 @@
                   <a:schemeClr val="bg1"/>
                 </a:solidFill>
               </a:rPr>
-              <a:t>+HasNext() : boolean</a:t>
+              <a:t>+</a:t>
+            </a:r>
+            <a:r>
+              <a:rPr lang="fr-FR" dirty="0" err="1">
+                <a:solidFill>
+                  <a:schemeClr val="bg1"/>
+                </a:solidFill>
+              </a:rPr>
+              <a:t>MoveNext</a:t>
+            </a:r>
+            <a:r>
+              <a:rPr lang="fr-FR" dirty="0">
+                <a:solidFill>
+                  <a:schemeClr val="bg1"/>
+                </a:solidFill>
+              </a:rPr>
+              <a:t>() : boolean</a:t>
             </a:r>
           </a:p>
           <a:p>
@@ -13997,7 +14109,23 @@
                   <a:schemeClr val="bg1"/>
                 </a:solidFill>
               </a:rPr>
-              <a:t>+ Next ():Object</a:t>
+              <a:t>+ </a:t>
+            </a:r>
+            <a:r>
+              <a:rPr lang="fr-FR" dirty="0" err="1">
+                <a:solidFill>
+                  <a:schemeClr val="bg1"/>
+                </a:solidFill>
+              </a:rPr>
+              <a:t>Current</a:t>
+            </a:r>
+            <a:r>
+              <a:rPr lang="fr-FR" dirty="0">
+                <a:solidFill>
+                  <a:schemeClr val="bg1"/>
+                </a:solidFill>
+              </a:rPr>
+              <a:t> ():Object</a:t>
             </a:r>
             <a:r>
               <a:rPr lang="fr-FR" dirty="0"/>
@@ -15266,7 +15394,7 @@
                 <a:ea typeface="Calibri" panose="020F0502020204030204" pitchFamily="34" charset="0"/>
                 <a:cs typeface="Times New Roman" panose="02020603050405020304" pitchFamily="18" charset="0"/>
               </a:rPr>
-              <a:t>Catégorie du Pattern</a:t>
+              <a:t>Catégorie du Pattern.</a:t>
             </a:r>
           </a:p>
           <a:p>
@@ -15280,7 +15408,7 @@
                 <a:ea typeface="Calibri" panose="020F0502020204030204" pitchFamily="34" charset="0"/>
                 <a:cs typeface="Times New Roman" panose="02020603050405020304" pitchFamily="18" charset="0"/>
               </a:rPr>
-              <a:t>Contexte D’utilisation et solution</a:t>
+              <a:t>Contexte D’utilisation et solution.</a:t>
             </a:r>
             <a:endParaRPr lang="fr-FR" sz="2000" kern="100" dirty="0">
               <a:effectLst/>
@@ -15345,7 +15473,7 @@
                 <a:ea typeface="Calibri" panose="020F0502020204030204" pitchFamily="34" charset="0"/>
                 <a:cs typeface="Times New Roman" panose="02020603050405020304" pitchFamily="18" charset="0"/>
               </a:rPr>
-              <a:t>Exemple de mise en situation</a:t>
+              <a:t>Exemple de mise en situation.</a:t>
             </a:r>
             <a:endParaRPr lang="fr-FR" sz="2000" kern="100" dirty="0">
               <a:effectLst/>
@@ -15365,7 +15493,7 @@
                 <a:ea typeface="Calibri" panose="020F0502020204030204" pitchFamily="34" charset="0"/>
                 <a:cs typeface="Times New Roman" panose="02020603050405020304" pitchFamily="18" charset="0"/>
               </a:rPr>
-              <a:t>Conclusion</a:t>
+              <a:t>Conclusion.</a:t>
             </a:r>
           </a:p>
           <a:p>
@@ -15380,7 +15508,7 @@
                 <a:ea typeface="Calibri" panose="020F0502020204030204" pitchFamily="34" charset="0"/>
                 <a:cs typeface="Times New Roman" panose="02020603050405020304" pitchFamily="18" charset="0"/>
               </a:rPr>
-              <a:t>Remerciements</a:t>
+              <a:t>Remerciements.</a:t>
             </a:r>
           </a:p>
           <a:p>
@@ -17246,7 +17374,23 @@
                   <a:schemeClr val="bg1"/>
                 </a:solidFill>
               </a:rPr>
-              <a:t>+HasNext() : boolean</a:t>
+              <a:t>+</a:t>
+            </a:r>
+            <a:r>
+              <a:rPr lang="fr-FR" dirty="0" err="1">
+                <a:solidFill>
+                  <a:schemeClr val="bg1"/>
+                </a:solidFill>
+              </a:rPr>
+              <a:t>MoveNext</a:t>
+            </a:r>
+            <a:r>
+              <a:rPr lang="fr-FR" dirty="0">
+                <a:solidFill>
+                  <a:schemeClr val="bg1"/>
+                </a:solidFill>
+              </a:rPr>
+              <a:t>() : boolean</a:t>
             </a:r>
           </a:p>
           <a:p>
@@ -17257,7 +17401,23 @@
                   <a:schemeClr val="bg1"/>
                 </a:solidFill>
               </a:rPr>
-              <a:t>+ Next ():Object</a:t>
+              <a:t>+ </a:t>
+            </a:r>
+            <a:r>
+              <a:rPr lang="fr-FR" dirty="0" err="1">
+                <a:solidFill>
+                  <a:schemeClr val="bg1"/>
+                </a:solidFill>
+              </a:rPr>
+              <a:t>Current</a:t>
+            </a:r>
+            <a:r>
+              <a:rPr lang="fr-FR" dirty="0">
+                <a:solidFill>
+                  <a:schemeClr val="bg1"/>
+                </a:solidFill>
+              </a:rPr>
+              <a:t> ():Object</a:t>
             </a:r>
             <a:r>
               <a:rPr lang="fr-FR" dirty="0"/>
@@ -17387,7 +17547,23 @@
                   <a:schemeClr val="bg1"/>
                 </a:solidFill>
               </a:rPr>
-              <a:t>+HasNext() : boolean</a:t>
+              <a:t>+</a:t>
+            </a:r>
+            <a:r>
+              <a:rPr lang="fr-FR" dirty="0" err="1">
+                <a:solidFill>
+                  <a:schemeClr val="bg1"/>
+                </a:solidFill>
+              </a:rPr>
+              <a:t>MoveNext</a:t>
+            </a:r>
+            <a:r>
+              <a:rPr lang="fr-FR" dirty="0">
+                <a:solidFill>
+                  <a:schemeClr val="bg1"/>
+                </a:solidFill>
+              </a:rPr>
+              <a:t>() : boolean</a:t>
             </a:r>
           </a:p>
           <a:p>
@@ -17398,7 +17574,23 @@
                   <a:schemeClr val="bg1"/>
                 </a:solidFill>
               </a:rPr>
-              <a:t>+ Next ():Object</a:t>
+              <a:t>+ </a:t>
+            </a:r>
+            <a:r>
+              <a:rPr lang="fr-FR" dirty="0" err="1">
+                <a:solidFill>
+                  <a:schemeClr val="bg1"/>
+                </a:solidFill>
+              </a:rPr>
+              <a:t>Current</a:t>
+            </a:r>
+            <a:r>
+              <a:rPr lang="fr-FR" dirty="0">
+                <a:solidFill>
+                  <a:schemeClr val="bg1"/>
+                </a:solidFill>
+              </a:rPr>
+              <a:t> ():Object</a:t>
             </a:r>
             <a:r>
               <a:rPr lang="fr-FR" dirty="0"/>
@@ -19505,7 +19697,7 @@
                 <a:effectLst/>
                 <a:latin typeface="PT Sans" panose="020F0502020204030204" pitchFamily="34" charset="0"/>
               </a:rPr>
-              <a:t>entre les des objets.</a:t>
+              <a:t>entre les objets.</a:t>
             </a:r>
           </a:p>
           <a:p>
@@ -19944,7 +20136,7 @@
             </a:pPr>
             <a:r>
               <a:rPr lang="fr-FR" sz="3400" dirty="0"/>
-              <a:t>désire y donner accès ce sans révéler la manière dont</a:t>
+              <a:t>désire y donner accès et ce sans révéler la manière </a:t>
             </a:r>
           </a:p>
           <a:p>
@@ -19959,7 +20151,7 @@
             </a:pPr>
             <a:r>
               <a:rPr lang="fr-FR" sz="3400" dirty="0"/>
-              <a:t> cette collection est représentée en interne. </a:t>
+              <a:t>dont cette collection est représentée en interne. </a:t>
             </a:r>
           </a:p>
           <a:p>
@@ -20704,7 +20896,7 @@
             </a:r>
             <a:r>
               <a:rPr lang="fr-FR" dirty="0"/>
-              <a:t> 1)</a:t>
+              <a:t> 1).</a:t>
             </a:r>
           </a:p>
           <a:p>
@@ -20718,7 +20910,7 @@
             </a:r>
             <a:r>
               <a:rPr lang="fr-FR" dirty="0"/>
-              <a:t> 2 )</a:t>
+              <a:t> 2 ).</a:t>
             </a:r>
           </a:p>
           <a:p>
@@ -20730,7 +20922,7 @@
           <a:p>
             <a:r>
               <a:rPr lang="fr-FR" dirty="0"/>
-              <a:t>Arrêt et reprise d’une itération selon à la demande.</a:t>
+              <a:t>Arrêt et reprise d’une itération à la demande.</a:t>
             </a:r>
           </a:p>
           <a:p>
@@ -22141,7 +22333,23 @@
                   <a:schemeClr val="bg1"/>
                 </a:solidFill>
               </a:rPr>
-              <a:t>+HasNext() : boolean</a:t>
+              <a:t>+</a:t>
+            </a:r>
+            <a:r>
+              <a:rPr lang="fr-FR" dirty="0" err="1">
+                <a:solidFill>
+                  <a:schemeClr val="bg1"/>
+                </a:solidFill>
+              </a:rPr>
+              <a:t>MoveNext</a:t>
+            </a:r>
+            <a:r>
+              <a:rPr lang="fr-FR" dirty="0">
+                <a:solidFill>
+                  <a:schemeClr val="bg1"/>
+                </a:solidFill>
+              </a:rPr>
+              <a:t>() : boolean</a:t>
             </a:r>
           </a:p>
           <a:p>
@@ -22152,7 +22360,23 @@
                   <a:schemeClr val="bg1"/>
                 </a:solidFill>
               </a:rPr>
-              <a:t>+ Next ():Object</a:t>
+              <a:t>+ </a:t>
+            </a:r>
+            <a:r>
+              <a:rPr lang="fr-FR" dirty="0" err="1">
+                <a:solidFill>
+                  <a:schemeClr val="bg1"/>
+                </a:solidFill>
+              </a:rPr>
+              <a:t>Current</a:t>
+            </a:r>
+            <a:r>
+              <a:rPr lang="fr-FR" dirty="0">
+                <a:solidFill>
+                  <a:schemeClr val="bg1"/>
+                </a:solidFill>
+              </a:rPr>
+              <a:t> ():Object</a:t>
             </a:r>
             <a:r>
               <a:rPr lang="fr-FR" dirty="0"/>
@@ -22282,7 +22506,23 @@
                   <a:schemeClr val="bg1"/>
                 </a:solidFill>
               </a:rPr>
-              <a:t>+HasNext() : boolean</a:t>
+              <a:t>+</a:t>
+            </a:r>
+            <a:r>
+              <a:rPr lang="fr-FR" dirty="0" err="1">
+                <a:solidFill>
+                  <a:schemeClr val="bg1"/>
+                </a:solidFill>
+              </a:rPr>
+              <a:t>MoveNext</a:t>
+            </a:r>
+            <a:r>
+              <a:rPr lang="fr-FR" dirty="0">
+                <a:solidFill>
+                  <a:schemeClr val="bg1"/>
+                </a:solidFill>
+              </a:rPr>
+              <a:t>() : boolean</a:t>
             </a:r>
           </a:p>
           <a:p>
@@ -22293,7 +22533,23 @@
                   <a:schemeClr val="bg1"/>
                 </a:solidFill>
               </a:rPr>
-              <a:t>+ Next ():Object</a:t>
+              <a:t>+ </a:t>
+            </a:r>
+            <a:r>
+              <a:rPr lang="fr-FR" dirty="0" err="1">
+                <a:solidFill>
+                  <a:schemeClr val="bg1"/>
+                </a:solidFill>
+              </a:rPr>
+              <a:t>Current</a:t>
+            </a:r>
+            <a:r>
+              <a:rPr lang="fr-FR" dirty="0">
+                <a:solidFill>
+                  <a:schemeClr val="bg1"/>
+                </a:solidFill>
+              </a:rPr>
+              <a:t> ():Object</a:t>
             </a:r>
             <a:r>
               <a:rPr lang="fr-FR" dirty="0"/>
